--- a/Offline/Marketing/MarketingArtworks/pptx/A3-Posters.pptx
+++ b/Offline/Marketing/MarketingArtworks/pptx/A3-Posters.pptx
@@ -244,7 +244,7 @@
           <a:p>
             <a:fld id="{50DAE02F-A7B1-4E85-A917-24263C02D340}" type="datetimeFigureOut">
               <a:rPr lang="en-US" smtClean="0"/>
-              <a:t>7/28/2023</a:t>
+              <a:t>8/8/2023</a:t>
             </a:fld>
             <a:endParaRPr lang="en-US"/>
           </a:p>
@@ -414,7 +414,7 @@
           <a:p>
             <a:fld id="{50DAE02F-A7B1-4E85-A917-24263C02D340}" type="datetimeFigureOut">
               <a:rPr lang="en-US" smtClean="0"/>
-              <a:t>7/28/2023</a:t>
+              <a:t>8/8/2023</a:t>
             </a:fld>
             <a:endParaRPr lang="en-US"/>
           </a:p>
@@ -594,7 +594,7 @@
           <a:p>
             <a:fld id="{50DAE02F-A7B1-4E85-A917-24263C02D340}" type="datetimeFigureOut">
               <a:rPr lang="en-US" smtClean="0"/>
-              <a:t>7/28/2023</a:t>
+              <a:t>8/8/2023</a:t>
             </a:fld>
             <a:endParaRPr lang="en-US"/>
           </a:p>
@@ -764,7 +764,7 @@
           <a:p>
             <a:fld id="{50DAE02F-A7B1-4E85-A917-24263C02D340}" type="datetimeFigureOut">
               <a:rPr lang="en-US" smtClean="0"/>
-              <a:t>7/28/2023</a:t>
+              <a:t>8/8/2023</a:t>
             </a:fld>
             <a:endParaRPr lang="en-US"/>
           </a:p>
@@ -1008,7 +1008,7 @@
           <a:p>
             <a:fld id="{50DAE02F-A7B1-4E85-A917-24263C02D340}" type="datetimeFigureOut">
               <a:rPr lang="en-US" smtClean="0"/>
-              <a:t>7/28/2023</a:t>
+              <a:t>8/8/2023</a:t>
             </a:fld>
             <a:endParaRPr lang="en-US"/>
           </a:p>
@@ -1240,7 +1240,7 @@
           <a:p>
             <a:fld id="{50DAE02F-A7B1-4E85-A917-24263C02D340}" type="datetimeFigureOut">
               <a:rPr lang="en-US" smtClean="0"/>
-              <a:t>7/28/2023</a:t>
+              <a:t>8/8/2023</a:t>
             </a:fld>
             <a:endParaRPr lang="en-US"/>
           </a:p>
@@ -1607,7 +1607,7 @@
           <a:p>
             <a:fld id="{50DAE02F-A7B1-4E85-A917-24263C02D340}" type="datetimeFigureOut">
               <a:rPr lang="en-US" smtClean="0"/>
-              <a:t>7/28/2023</a:t>
+              <a:t>8/8/2023</a:t>
             </a:fld>
             <a:endParaRPr lang="en-US"/>
           </a:p>
@@ -1725,7 +1725,7 @@
           <a:p>
             <a:fld id="{50DAE02F-A7B1-4E85-A917-24263C02D340}" type="datetimeFigureOut">
               <a:rPr lang="en-US" smtClean="0"/>
-              <a:t>7/28/2023</a:t>
+              <a:t>8/8/2023</a:t>
             </a:fld>
             <a:endParaRPr lang="en-US"/>
           </a:p>
@@ -1820,7 +1820,7 @@
           <a:p>
             <a:fld id="{50DAE02F-A7B1-4E85-A917-24263C02D340}" type="datetimeFigureOut">
               <a:rPr lang="en-US" smtClean="0"/>
-              <a:t>7/28/2023</a:t>
+              <a:t>8/8/2023</a:t>
             </a:fld>
             <a:endParaRPr lang="en-US"/>
           </a:p>
@@ -2097,7 +2097,7 @@
           <a:p>
             <a:fld id="{50DAE02F-A7B1-4E85-A917-24263C02D340}" type="datetimeFigureOut">
               <a:rPr lang="en-US" smtClean="0"/>
-              <a:t>7/28/2023</a:t>
+              <a:t>8/8/2023</a:t>
             </a:fld>
             <a:endParaRPr lang="en-US"/>
           </a:p>
@@ -2354,7 +2354,7 @@
           <a:p>
             <a:fld id="{50DAE02F-A7B1-4E85-A917-24263C02D340}" type="datetimeFigureOut">
               <a:rPr lang="en-US" smtClean="0"/>
-              <a:t>7/28/2023</a:t>
+              <a:t>8/8/2023</a:t>
             </a:fld>
             <a:endParaRPr lang="en-US"/>
           </a:p>
@@ -2567,7 +2567,7 @@
           <a:p>
             <a:fld id="{50DAE02F-A7B1-4E85-A917-24263C02D340}" type="datetimeFigureOut">
               <a:rPr lang="en-US" smtClean="0"/>
-              <a:t>7/28/2023</a:t>
+              <a:t>8/8/2023</a:t>
             </a:fld>
             <a:endParaRPr lang="en-US"/>
           </a:p>
